--- a/2.pptx
+++ b/2.pptx
@@ -299,7 +299,7 @@
           <a:p>
             <a:fld id="{8714F72B-2C8F-4A0E-A73E-340B25F86593}" type="datetimeFigureOut">
               <a:rPr lang="en-US" smtClean="0"/>
-              <a:t>8/21/2023</a:t>
+              <a:t>11/2/2023</a:t>
             </a:fld>
             <a:endParaRPr lang="en-US"/>
           </a:p>
@@ -469,7 +469,7 @@
           <a:p>
             <a:fld id="{8714F72B-2C8F-4A0E-A73E-340B25F86593}" type="datetimeFigureOut">
               <a:rPr lang="en-US" smtClean="0"/>
-              <a:t>8/21/2023</a:t>
+              <a:t>11/2/2023</a:t>
             </a:fld>
             <a:endParaRPr lang="en-US"/>
           </a:p>
@@ -649,7 +649,7 @@
           <a:p>
             <a:fld id="{8714F72B-2C8F-4A0E-A73E-340B25F86593}" type="datetimeFigureOut">
               <a:rPr lang="en-US" smtClean="0"/>
-              <a:t>8/21/2023</a:t>
+              <a:t>11/2/2023</a:t>
             </a:fld>
             <a:endParaRPr lang="en-US"/>
           </a:p>
@@ -819,7 +819,7 @@
           <a:p>
             <a:fld id="{8714F72B-2C8F-4A0E-A73E-340B25F86593}" type="datetimeFigureOut">
               <a:rPr lang="en-US" smtClean="0"/>
-              <a:t>8/21/2023</a:t>
+              <a:t>11/2/2023</a:t>
             </a:fld>
             <a:endParaRPr lang="en-US"/>
           </a:p>
@@ -1065,7 +1065,7 @@
           <a:p>
             <a:fld id="{8714F72B-2C8F-4A0E-A73E-340B25F86593}" type="datetimeFigureOut">
               <a:rPr lang="en-US" smtClean="0"/>
-              <a:t>8/21/2023</a:t>
+              <a:t>11/2/2023</a:t>
             </a:fld>
             <a:endParaRPr lang="en-US"/>
           </a:p>
@@ -1353,7 +1353,7 @@
           <a:p>
             <a:fld id="{8714F72B-2C8F-4A0E-A73E-340B25F86593}" type="datetimeFigureOut">
               <a:rPr lang="en-US" smtClean="0"/>
-              <a:t>8/21/2023</a:t>
+              <a:t>11/2/2023</a:t>
             </a:fld>
             <a:endParaRPr lang="en-US"/>
           </a:p>
@@ -1775,7 +1775,7 @@
           <a:p>
             <a:fld id="{8714F72B-2C8F-4A0E-A73E-340B25F86593}" type="datetimeFigureOut">
               <a:rPr lang="en-US" smtClean="0"/>
-              <a:t>8/21/2023</a:t>
+              <a:t>11/2/2023</a:t>
             </a:fld>
             <a:endParaRPr lang="en-US"/>
           </a:p>
@@ -1893,7 +1893,7 @@
           <a:p>
             <a:fld id="{8714F72B-2C8F-4A0E-A73E-340B25F86593}" type="datetimeFigureOut">
               <a:rPr lang="en-US" smtClean="0"/>
-              <a:t>8/21/2023</a:t>
+              <a:t>11/2/2023</a:t>
             </a:fld>
             <a:endParaRPr lang="en-US"/>
           </a:p>
@@ -1988,7 +1988,7 @@
           <a:p>
             <a:fld id="{8714F72B-2C8F-4A0E-A73E-340B25F86593}" type="datetimeFigureOut">
               <a:rPr lang="en-US" smtClean="0"/>
-              <a:t>8/21/2023</a:t>
+              <a:t>11/2/2023</a:t>
             </a:fld>
             <a:endParaRPr lang="en-US"/>
           </a:p>
@@ -2265,7 +2265,7 @@
           <a:p>
             <a:fld id="{8714F72B-2C8F-4A0E-A73E-340B25F86593}" type="datetimeFigureOut">
               <a:rPr lang="en-US" smtClean="0"/>
-              <a:t>8/21/2023</a:t>
+              <a:t>11/2/2023</a:t>
             </a:fld>
             <a:endParaRPr lang="en-US"/>
           </a:p>
@@ -2518,7 +2518,7 @@
           <a:p>
             <a:fld id="{8714F72B-2C8F-4A0E-A73E-340B25F86593}" type="datetimeFigureOut">
               <a:rPr lang="en-US" smtClean="0"/>
-              <a:t>8/21/2023</a:t>
+              <a:t>11/2/2023</a:t>
             </a:fld>
             <a:endParaRPr lang="en-US"/>
           </a:p>
@@ -2754,7 +2754,7 @@
           <a:p>
             <a:fld id="{8714F72B-2C8F-4A0E-A73E-340B25F86593}" type="datetimeFigureOut">
               <a:rPr lang="en-US" smtClean="0"/>
-              <a:t>8/21/2023</a:t>
+              <a:t>11/2/2023</a:t>
             </a:fld>
             <a:endParaRPr lang="en-US"/>
           </a:p>
@@ -3148,7 +3148,7 @@
         </p:spPr>
         <p:txBody>
           <a:bodyPr vert="horz" lIns="91440" tIns="45720" rIns="91440" bIns="45720" rtlCol="0" anchor="ctr">
-            <a:normAutofit fontScale="92500" lnSpcReduction="20000"/>
+            <a:normAutofit/>
           </a:bodyPr>
           <a:lstStyle>
             <a:lvl1pPr algn="ctr" defTabSz="914400" rtl="0" eaLnBrk="1" latinLnBrk="0" hangingPunct="1">
@@ -3173,15 +3173,15 @@
                   <a:schemeClr val="bg1"/>
                 </a:solidFill>
               </a:rPr>
-              <a:t>ML Based Web Development with Python &amp; </a:t>
-            </a:r>
-            <a:r>
-              <a:rPr lang="en-US" dirty="0" err="1" smtClean="0">
-                <a:solidFill>
-                  <a:schemeClr val="bg1"/>
-                </a:solidFill>
-              </a:rPr>
-              <a:t>Django</a:t>
+              <a:t>Python with </a:t>
+            </a:r>
+            <a:r>
+              <a:rPr lang="en-US" smtClean="0">
+                <a:solidFill>
+                  <a:schemeClr val="bg1"/>
+                </a:solidFill>
+              </a:rPr>
+              <a:t>DJango</a:t>
             </a:r>
             <a:endParaRPr lang="en-US" dirty="0">
               <a:solidFill>
@@ -3243,7 +3243,7 @@
                   <a:srgbClr val="FFFF00"/>
                 </a:solidFill>
               </a:rPr>
-              <a:t>2</a:t>
+              <a:t>5</a:t>
             </a:r>
             <a:endParaRPr lang="en-US" b="1" dirty="0">
               <a:solidFill>
@@ -3749,13 +3749,6 @@
               </a:rPr>
               <a:t> setup &amp; upload</a:t>
             </a:r>
-            <a:endParaRPr lang="en-US" sz="2000" b="1" dirty="0" smtClean="0">
-              <a:solidFill>
-                <a:schemeClr val="bg1"/>
-              </a:solidFill>
-              <a:latin typeface="Times New Roman" pitchFamily="18" charset="0"/>
-              <a:cs typeface="Times New Roman" pitchFamily="18" charset="0"/>
-            </a:endParaRPr>
           </a:p>
           <a:p>
             <a:pPr>
@@ -3884,13 +3877,6 @@
               </a:rPr>
               <a:t>Single Quote, Double  Quote, Multiline</a:t>
             </a:r>
-            <a:endParaRPr lang="en-US" sz="2000" b="1" dirty="0" smtClean="0">
-              <a:solidFill>
-                <a:schemeClr val="bg1"/>
-              </a:solidFill>
-              <a:latin typeface="Times New Roman" pitchFamily="18" charset="0"/>
-              <a:cs typeface="Times New Roman" pitchFamily="18" charset="0"/>
-            </a:endParaRPr>
           </a:p>
         </p:txBody>
       </p:sp>
@@ -4315,13 +4301,6 @@
               </a:rPr>
               <a:t> (Home Task)</a:t>
             </a:r>
-            <a:endParaRPr lang="en-US" sz="2000" b="1" dirty="0" smtClean="0">
-              <a:solidFill>
-                <a:srgbClr val="FFFF00"/>
-              </a:solidFill>
-              <a:latin typeface="Times New Roman" pitchFamily="18" charset="0"/>
-              <a:cs typeface="Times New Roman" pitchFamily="18" charset="0"/>
-            </a:endParaRPr>
           </a:p>
         </p:txBody>
       </p:sp>
@@ -5229,17 +5208,7 @@
                 <a:latin typeface="Times New Roman" pitchFamily="18" charset="0"/>
                 <a:cs typeface="Times New Roman" pitchFamily="18" charset="0"/>
               </a:rPr>
-              <a:t>https</a:t>
-            </a:r>
-            <a:r>
-              <a:rPr lang="en-US" sz="2000" b="1">
-                <a:solidFill>
-                  <a:schemeClr val="bg1"/>
-                </a:solidFill>
-                <a:latin typeface="Times New Roman" pitchFamily="18" charset="0"/>
-                <a:cs typeface="Times New Roman" pitchFamily="18" charset="0"/>
-              </a:rPr>
-              <a:t>://</a:t>
+              <a:t>https://</a:t>
             </a:r>
             <a:r>
               <a:rPr lang="en-US" sz="2000" b="1" smtClean="0">
